--- a/CMP304Unit1LiamLaverty.pptx
+++ b/CMP304Unit1LiamLaverty.pptx
@@ -251,7 +251,7 @@
           <a:p>
             <a:fld id="{AD403728-1C15-9E45-A728-235C3CEEEB36}" type="datetimeFigureOut">
               <a:rPr lang="en-US" smtClean="0"/>
-              <a:t>3/23/2024</a:t>
+              <a:t>3/26/2024</a:t>
             </a:fld>
             <a:endParaRPr lang="en-US"/>
           </a:p>
@@ -421,7 +421,7 @@
           <a:p>
             <a:fld id="{AD403728-1C15-9E45-A728-235C3CEEEB36}" type="datetimeFigureOut">
               <a:rPr lang="en-US" smtClean="0"/>
-              <a:t>3/23/2024</a:t>
+              <a:t>3/26/2024</a:t>
             </a:fld>
             <a:endParaRPr lang="en-US"/>
           </a:p>
@@ -601,7 +601,7 @@
           <a:p>
             <a:fld id="{AD403728-1C15-9E45-A728-235C3CEEEB36}" type="datetimeFigureOut">
               <a:rPr lang="en-US" smtClean="0"/>
-              <a:t>3/23/2024</a:t>
+              <a:t>3/26/2024</a:t>
             </a:fld>
             <a:endParaRPr lang="en-US"/>
           </a:p>
@@ -771,7 +771,7 @@
           <a:p>
             <a:fld id="{AD403728-1C15-9E45-A728-235C3CEEEB36}" type="datetimeFigureOut">
               <a:rPr lang="en-US" smtClean="0"/>
-              <a:t>3/23/2024</a:t>
+              <a:t>3/26/2024</a:t>
             </a:fld>
             <a:endParaRPr lang="en-US"/>
           </a:p>
@@ -1017,7 +1017,7 @@
           <a:p>
             <a:fld id="{AD403728-1C15-9E45-A728-235C3CEEEB36}" type="datetimeFigureOut">
               <a:rPr lang="en-US" smtClean="0"/>
-              <a:t>3/23/2024</a:t>
+              <a:t>3/26/2024</a:t>
             </a:fld>
             <a:endParaRPr lang="en-US"/>
           </a:p>
@@ -1249,7 +1249,7 @@
           <a:p>
             <a:fld id="{AD403728-1C15-9E45-A728-235C3CEEEB36}" type="datetimeFigureOut">
               <a:rPr lang="en-US" smtClean="0"/>
-              <a:t>3/23/2024</a:t>
+              <a:t>3/26/2024</a:t>
             </a:fld>
             <a:endParaRPr lang="en-US"/>
           </a:p>
@@ -1616,7 +1616,7 @@
           <a:p>
             <a:fld id="{AD403728-1C15-9E45-A728-235C3CEEEB36}" type="datetimeFigureOut">
               <a:rPr lang="en-US" smtClean="0"/>
-              <a:t>3/23/2024</a:t>
+              <a:t>3/26/2024</a:t>
             </a:fld>
             <a:endParaRPr lang="en-US"/>
           </a:p>
@@ -1734,7 +1734,7 @@
           <a:p>
             <a:fld id="{AD403728-1C15-9E45-A728-235C3CEEEB36}" type="datetimeFigureOut">
               <a:rPr lang="en-US" smtClean="0"/>
-              <a:t>3/23/2024</a:t>
+              <a:t>3/26/2024</a:t>
             </a:fld>
             <a:endParaRPr lang="en-US"/>
           </a:p>
@@ -1829,7 +1829,7 @@
           <a:p>
             <a:fld id="{AD403728-1C15-9E45-A728-235C3CEEEB36}" type="datetimeFigureOut">
               <a:rPr lang="en-US" smtClean="0"/>
-              <a:t>3/23/2024</a:t>
+              <a:t>3/26/2024</a:t>
             </a:fld>
             <a:endParaRPr lang="en-US"/>
           </a:p>
@@ -2106,7 +2106,7 @@
           <a:p>
             <a:fld id="{AD403728-1C15-9E45-A728-235C3CEEEB36}" type="datetimeFigureOut">
               <a:rPr lang="en-US" smtClean="0"/>
-              <a:t>3/23/2024</a:t>
+              <a:t>3/26/2024</a:t>
             </a:fld>
             <a:endParaRPr lang="en-US"/>
           </a:p>
@@ -2363,7 +2363,7 @@
           <a:p>
             <a:fld id="{AD403728-1C15-9E45-A728-235C3CEEEB36}" type="datetimeFigureOut">
               <a:rPr lang="en-US" smtClean="0"/>
-              <a:t>3/23/2024</a:t>
+              <a:t>3/26/2024</a:t>
             </a:fld>
             <a:endParaRPr lang="en-US"/>
           </a:p>
@@ -2576,7 +2576,7 @@
           <a:p>
             <a:fld id="{AD403728-1C15-9E45-A728-235C3CEEEB36}" type="datetimeFigureOut">
               <a:rPr lang="en-US" smtClean="0"/>
-              <a:t>3/23/2024</a:t>
+              <a:t>3/26/2024</a:t>
             </a:fld>
             <a:endParaRPr lang="en-US"/>
           </a:p>
@@ -3092,7 +3092,7 @@
         <p:spPr>
           <a:xfrm>
             <a:off x="697653" y="1971585"/>
-            <a:ext cx="6786880" cy="1200329"/>
+            <a:ext cx="6786880" cy="830997"/>
           </a:xfrm>
           <a:prstGeom prst="rect">
             <a:avLst/>
@@ -3114,12 +3114,6 @@
             <a:r>
               <a:rPr lang="en-GB" sz="2400" b="1" dirty="0"/>
               <a:t>Student Number: 2000265</a:t>
-            </a:r>
-          </a:p>
-          <a:p>
-            <a:r>
-              <a:rPr lang="en-GB" sz="2400" b="1" dirty="0"/>
-              <a:t>Date: 23/04/2024</a:t>
             </a:r>
           </a:p>
         </p:txBody>
@@ -3387,68 +3381,55 @@
                 <a:latin typeface="GT America Rg" pitchFamily="2" charset="77"/>
                 <a:ea typeface="GT America Rg" pitchFamily="2" charset="77"/>
               </a:rPr>
-              <a:t>2D side scrolling game with a </a:t>
+              <a:t>I wanted to create an Ai that could learn to play a simple 2d </a:t>
             </a:r>
             <a:r>
               <a:rPr lang="en-US" dirty="0" err="1">
                 <a:latin typeface="GT America Rg" pitchFamily="2" charset="77"/>
                 <a:ea typeface="GT America Rg" pitchFamily="2" charset="77"/>
               </a:rPr>
-              <a:t>UnityML</a:t>
-            </a:r>
+              <a:t>sidescroller</a:t>
+            </a:r>
+            <a:endParaRPr lang="en-US" dirty="0">
+              <a:latin typeface="GT America Rg" pitchFamily="2" charset="77"/>
+              <a:ea typeface="GT America Rg" pitchFamily="2" charset="77"/>
+            </a:endParaRPr>
+          </a:p>
+          <a:p>
+            <a:pPr algn="l"/>
+            <a:r>
+              <a:rPr lang="en-US" dirty="0">
+                <a:solidFill>
+                  <a:srgbClr val="FF0000"/>
+                </a:solidFill>
+                <a:latin typeface="GT America Rg" pitchFamily="2" charset="77"/>
+                <a:ea typeface="GT America Rg" pitchFamily="2" charset="77"/>
+              </a:rPr>
+              <a:t>Note which AI technique you have implemented as a solution.</a:t>
+            </a:r>
+          </a:p>
+          <a:p>
+            <a:pPr algn="l"/>
             <a:r>
               <a:rPr lang="en-US" dirty="0">
                 <a:latin typeface="GT America Rg" pitchFamily="2" charset="77"/>
                 <a:ea typeface="GT America Rg" pitchFamily="2" charset="77"/>
               </a:rPr>
-              <a:t> agent controlling the character</a:t>
-            </a:r>
-          </a:p>
-          <a:p>
-            <a:pPr algn="l"/>
+              <a:t>Chose to expand on Reinforcement learning to by exploring how </a:t>
+            </a:r>
+            <a:r>
+              <a:rPr lang="en-US" dirty="0" err="1">
+                <a:latin typeface="GT America Rg" pitchFamily="2" charset="77"/>
+                <a:ea typeface="GT America Rg" pitchFamily="2" charset="77"/>
+              </a:rPr>
+              <a:t>UnityML</a:t>
+            </a:r>
             <a:r>
               <a:rPr lang="en-US" dirty="0">
                 <a:latin typeface="GT America Rg" pitchFamily="2" charset="77"/>
                 <a:ea typeface="GT America Rg" pitchFamily="2" charset="77"/>
               </a:rPr>
-              <a:t>Investigate how </a:t>
-            </a:r>
-            <a:r>
-              <a:rPr lang="en-US" dirty="0" err="1">
-                <a:latin typeface="GT America Rg" pitchFamily="2" charset="77"/>
-                <a:ea typeface="GT America Rg" pitchFamily="2" charset="77"/>
-              </a:rPr>
-              <a:t>UnityML</a:t>
-            </a:r>
-            <a:r>
-              <a:rPr lang="en-US" dirty="0">
-                <a:latin typeface="GT America Rg" pitchFamily="2" charset="77"/>
-                <a:ea typeface="GT America Rg" pitchFamily="2" charset="77"/>
-              </a:rPr>
-              <a:t> agents can adapt and learn in a 2D game</a:t>
-            </a:r>
-          </a:p>
-          <a:p>
-            <a:pPr algn="l"/>
-            <a:r>
-              <a:rPr lang="en-US" dirty="0">
-                <a:solidFill>
-                  <a:srgbClr val="FF0000"/>
-                </a:solidFill>
-                <a:latin typeface="GT America Rg" pitchFamily="2" charset="77"/>
-                <a:ea typeface="GT America Rg" pitchFamily="2" charset="77"/>
-              </a:rPr>
-              <a:t>Note which AI technique you have implemented as a solution.</a:t>
-            </a:r>
-          </a:p>
-          <a:p>
-            <a:pPr algn="l"/>
-            <a:r>
-              <a:rPr lang="en-US" dirty="0">
-                <a:latin typeface="GT America Rg" pitchFamily="2" charset="77"/>
-                <a:ea typeface="GT America Rg" pitchFamily="2" charset="77"/>
-              </a:rPr>
-              <a:t>Chose to expand on Reinforcement learning to explore how it could be used in the unity engine and in the context of a 2D game</a:t>
+              <a:t> agents could be used the context of a 2D game</a:t>
             </a:r>
           </a:p>
           <a:p>
@@ -4487,7 +4468,9 @@
           </a:xfrm>
         </p:spPr>
         <p:txBody>
-          <a:bodyPr/>
+          <a:bodyPr>
+            <a:normAutofit fontScale="92500" lnSpcReduction="20000"/>
+          </a:bodyPr>
           <a:lstStyle/>
           <a:p>
             <a:pPr marL="0" indent="0">
@@ -4542,6 +4525,33 @@
                 <a:ea typeface="GT America Rg" pitchFamily="2" charset="77"/>
               </a:rPr>
             </a:br>
+            <a:endParaRPr lang="en-US" dirty="0">
+              <a:latin typeface="GT America Rg" pitchFamily="2" charset="77"/>
+              <a:ea typeface="GT America Rg" pitchFamily="2" charset="77"/>
+            </a:endParaRPr>
+          </a:p>
+          <a:p>
+            <a:pPr marL="0" indent="0">
+              <a:buNone/>
+            </a:pPr>
+            <a:r>
+              <a:rPr lang="en-US" dirty="0">
+                <a:latin typeface="GT America Rg" pitchFamily="2" charset="77"/>
+                <a:ea typeface="GT America Rg" pitchFamily="2" charset="77"/>
+              </a:rPr>
+              <a:t>Guide on setting up ml agents:</a:t>
+            </a:r>
+          </a:p>
+          <a:p>
+            <a:pPr marL="0" indent="0">
+              <a:buNone/>
+            </a:pPr>
+            <a:r>
+              <a:rPr lang="en-GB" dirty="0">
+                <a:hlinkClick r:id="rId3"/>
+              </a:rPr>
+              <a:t>How to use Unity ML Agents in 2023! ML Agents 2.0.1 (youtube.com)</a:t>
+            </a:r>
             <a:br>
               <a:rPr lang="en-US" dirty="0">
                 <a:latin typeface="GT America Rg" pitchFamily="2" charset="77"/>
@@ -4554,6 +4564,38 @@
                 <a:ea typeface="GT America Rg" pitchFamily="2" charset="77"/>
               </a:rPr>
               <a:t>Google sprites:</a:t>
+            </a:r>
+          </a:p>
+          <a:p>
+            <a:pPr marL="0" indent="0">
+              <a:buNone/>
+            </a:pPr>
+            <a:endParaRPr lang="en-US" dirty="0">
+              <a:latin typeface="GT America Rg" pitchFamily="2" charset="77"/>
+              <a:ea typeface="GT America Rg" pitchFamily="2" charset="77"/>
+            </a:endParaRPr>
+          </a:p>
+          <a:p>
+            <a:pPr marL="0" indent="0">
+              <a:buNone/>
+            </a:pPr>
+            <a:r>
+              <a:rPr lang="en-US" dirty="0">
+                <a:latin typeface="GT America Rg" pitchFamily="2" charset="77"/>
+                <a:ea typeface="GT America Rg" pitchFamily="2" charset="77"/>
+              </a:rPr>
+              <a:t>Unity ML agents course:</a:t>
+            </a:r>
+          </a:p>
+          <a:p>
+            <a:pPr marL="0" indent="0">
+              <a:buNone/>
+            </a:pPr>
+            <a:r>
+              <a:rPr lang="en-GB" dirty="0">
+                <a:hlinkClick r:id="rId4"/>
+              </a:rPr>
+              <a:t>ML-Agents: Hummingbirds - Unity Learn</a:t>
             </a:r>
             <a:br>
               <a:rPr lang="en-US" dirty="0">
